--- a/PPT/J5-超类子类和继承性.pptx
+++ b/PPT/J5-超类子类和继承性.pptx
@@ -19873,7 +19873,7 @@
                 <a:latin typeface="微软雅黑" panose="020B0503020204020204" pitchFamily="34" charset="-122"/>
                 <a:ea typeface="微软雅黑" panose="020B0503020204020204" pitchFamily="34" charset="-122"/>
               </a:rPr>
-              <a:t>2020年8月11日</a:t>
+              <a:t>2020年9月24日</a:t>
             </a:fld>
             <a:endParaRPr lang="zh-CN" altLang="en-US" dirty="0">
               <a:latin typeface="微软雅黑" panose="020B0503020204020204" pitchFamily="34" charset="-122"/>
@@ -20059,7 +20059,7 @@
             <a:fld id="{EA50F75F-AD11-4973-BAED-59A0098129E9}" type="datetime2">
               <a:rPr lang="zh-CN" altLang="en-US" smtClean="0"/>
               <a:pPr/>
-              <a:t>2020年8月11日</a:t>
+              <a:t>2020年9月24日</a:t>
             </a:fld>
             <a:endParaRPr lang="zh-CN" altLang="en-US" dirty="0"/>
           </a:p>
@@ -28108,7 +28108,7 @@
             <a:fld id="{B432DCC3-517C-49BA-ABA2-B2F6E7404DD7}" type="datetime2">
               <a:rPr lang="zh-CN" altLang="en-US" smtClean="0"/>
               <a:pPr/>
-              <a:t>2020年8月11日</a:t>
+              <a:t>2020年9月24日</a:t>
             </a:fld>
             <a:endParaRPr lang="zh-CN" altLang="en-US" dirty="0"/>
           </a:p>
@@ -28790,7 +28790,7 @@
             <a:fld id="{C3F416CD-67A3-4CF0-A210-F6AF31AC147F}" type="datetimeFigureOut">
               <a:rPr lang="en-US" smtClean="0"/>
               <a:pPr algn="l" eaLnBrk="1" latinLnBrk="0" hangingPunct="1"/>
-              <a:t>8/11/2020</a:t>
+              <a:t>9/24/2020</a:t>
             </a:fld>
             <a:endParaRPr lang="en-US"/>
           </a:p>
@@ -29105,7 +29105,7 @@
             <a:fld id="{C3F416CD-67A3-4CF0-A210-F6AF31AC147F}" type="datetimeFigureOut">
               <a:rPr lang="en-US" smtClean="0"/>
               <a:pPr algn="l" eaLnBrk="1" latinLnBrk="0" hangingPunct="1"/>
-              <a:t>8/11/2020</a:t>
+              <a:t>9/24/2020</a:t>
             </a:fld>
             <a:endParaRPr lang="en-US" sz="800" dirty="0">
               <a:solidFill>
@@ -29216,7 +29216,7 @@
             <a:fld id="{C3F416CD-67A3-4CF0-A210-F6AF31AC147F}" type="datetimeFigureOut">
               <a:rPr lang="en-US" smtClean="0"/>
               <a:pPr/>
-              <a:t>8/11/2020</a:t>
+              <a:t>9/24/2020</a:t>
             </a:fld>
             <a:endParaRPr lang="en-US"/>
           </a:p>
@@ -36315,7 +36315,7 @@
         </p:blipFill>
         <p:spPr bwMode="auto">
           <a:xfrm>
-            <a:off x="809549" y="375671"/>
+            <a:off x="809549" y="349545"/>
             <a:ext cx="10572902" cy="5686349"/>
           </a:xfrm>
           <a:prstGeom prst="rect">
@@ -36572,10 +36572,9 @@
           <a:lstStyle/>
           <a:p>
             <a:r>
-              <a:rPr lang="zh-CN" altLang="en-US"/>
+              <a:rPr lang="zh-CN" altLang="en-US" dirty="0"/>
               <a:t>类的继承</a:t>
             </a:r>
-            <a:endParaRPr lang="zh-CN" altLang="en-US" dirty="0"/>
           </a:p>
         </p:txBody>
       </p:sp>
@@ -36591,8 +36590,8 @@
         </p:nvSpPr>
         <p:spPr>
           <a:xfrm>
-            <a:off x="659423" y="905608"/>
-            <a:ext cx="10735408" cy="5046784"/>
+            <a:off x="659423" y="905607"/>
+            <a:ext cx="11184234" cy="5364564"/>
           </a:xfrm>
         </p:spPr>
         <p:txBody>
@@ -36600,87 +36599,96 @@
           <a:lstStyle/>
           <a:p>
             <a:r>
-              <a:rPr lang="zh-CN" altLang="en-US" sz="2800"/>
+              <a:rPr lang="zh-CN" altLang="en-US" sz="2800" dirty="0"/>
               <a:t>继承性特性如下：</a:t>
             </a:r>
           </a:p>
           <a:p>
             <a:pPr lvl="1"/>
             <a:r>
-              <a:rPr lang="zh-CN" altLang="en-US" sz="2400"/>
+              <a:rPr lang="zh-CN" altLang="en-US" sz="2400" dirty="0"/>
               <a:t>单一继承性：子类只能有一个超类，而超类可以有多个子类；</a:t>
             </a:r>
           </a:p>
           <a:p>
             <a:pPr lvl="1"/>
             <a:r>
+              <a:rPr lang="zh-CN" altLang="en-US" sz="2400" dirty="0"/>
+              <a:t>子类继承超类的所有成员，包括父类中不可见的，但是看不见也不可访问（如</a:t>
+            </a:r>
+            <a:r>
+              <a:rPr lang="en-US" altLang="zh-CN" sz="2400"/>
+              <a:t>private</a:t>
+            </a:r>
+            <a:r>
               <a:rPr lang="zh-CN" altLang="en-US" sz="2400"/>
-              <a:t>子类继承超类的所有成员；</a:t>
-            </a:r>
+              <a:t>；</a:t>
+            </a:r>
+            <a:endParaRPr lang="zh-CN" altLang="en-US" sz="2400" dirty="0"/>
           </a:p>
           <a:p>
             <a:pPr lvl="1"/>
             <a:r>
-              <a:rPr lang="zh-CN" altLang="en-US" sz="2400"/>
+              <a:rPr lang="zh-CN" altLang="en-US" sz="2400" dirty="0"/>
               <a:t>子类可以创建自己的成员；</a:t>
             </a:r>
           </a:p>
           <a:p>
             <a:pPr lvl="1"/>
             <a:r>
-              <a:rPr lang="zh-CN" altLang="en-US" sz="2400"/>
+              <a:rPr lang="zh-CN" altLang="en-US" sz="2400" dirty="0"/>
               <a:t>子类不能继承超类的构造器，只能在构造器中通过</a:t>
             </a:r>
             <a:r>
-              <a:rPr lang="en-US" altLang="zh-CN" sz="2400"/>
+              <a:rPr lang="en-US" altLang="zh-CN" sz="2400" dirty="0"/>
               <a:t>super()</a:t>
             </a:r>
             <a:r>
-              <a:rPr lang="zh-CN" altLang="en-US" sz="2400"/>
+              <a:rPr lang="zh-CN" altLang="en-US" sz="2400" dirty="0"/>
               <a:t>调用超类的构造器；</a:t>
             </a:r>
           </a:p>
           <a:p>
             <a:pPr lvl="1"/>
             <a:r>
-              <a:rPr lang="zh-CN" altLang="en-US" sz="2400"/>
+              <a:rPr lang="zh-CN" altLang="en-US" sz="2400" dirty="0"/>
               <a:t>子类的构造器首先要调用超类的构造器；</a:t>
             </a:r>
           </a:p>
           <a:p>
             <a:pPr lvl="1"/>
             <a:r>
-              <a:rPr lang="zh-CN" altLang="en-US" sz="2400"/>
+              <a:rPr lang="zh-CN" altLang="en-US" sz="2400" dirty="0"/>
               <a:t>多态性之一：子类的成员隐藏和覆盖超类中相同的成员；</a:t>
             </a:r>
           </a:p>
           <a:p>
             <a:pPr lvl="1"/>
             <a:r>
-              <a:rPr lang="zh-CN" altLang="en-US" sz="2400"/>
-              <a:t>多态性之二：超类的对象可以对子类的实例引用；</a:t>
+              <a:rPr lang="zh-CN" altLang="en-US" sz="2400" dirty="0"/>
+              <a:t>多态性之二：超类的对象可以对子类的实例引用（即子类的示例可以赋给父类），但只能使用超类中的成员；</a:t>
             </a:r>
           </a:p>
           <a:p>
             <a:pPr lvl="1"/>
             <a:r>
-              <a:rPr lang="zh-CN" altLang="en-US" sz="2400"/>
+              <a:rPr lang="zh-CN" altLang="en-US" sz="2400" dirty="0"/>
               <a:t>由</a:t>
             </a:r>
             <a:r>
-              <a:rPr lang="en-US" altLang="zh-CN" sz="2400"/>
+              <a:rPr lang="en-US" altLang="zh-CN" sz="2400" dirty="0"/>
               <a:t>abstract</a:t>
             </a:r>
             <a:r>
-              <a:rPr lang="zh-CN" altLang="en-US" sz="2400"/>
+              <a:rPr lang="zh-CN" altLang="en-US" sz="2400" dirty="0"/>
               <a:t>和</a:t>
             </a:r>
             <a:r>
-              <a:rPr lang="en-US" altLang="zh-CN" sz="2400"/>
+              <a:rPr lang="en-US" altLang="zh-CN" sz="2400" dirty="0"/>
               <a:t>final</a:t>
             </a:r>
             <a:r>
-              <a:rPr lang="zh-CN" altLang="en-US" sz="2400"/>
+              <a:rPr lang="zh-CN" altLang="en-US" sz="2400" dirty="0"/>
               <a:t>修饰的类指示类的是否必须或不能被继承。</a:t>
             </a:r>
           </a:p>
@@ -37929,21 +37937,21 @@
           <a:lstStyle/>
           <a:p>
             <a:r>
-              <a:rPr lang="zh-CN" altLang="en-US"/>
+              <a:rPr lang="zh-CN" altLang="en-US" dirty="0"/>
               <a:t>虽然子类可以继承超类所有成员，但是因为超类中成员的访问控制，子类无法访问某些受限成员。</a:t>
             </a:r>
           </a:p>
           <a:p>
             <a:r>
-              <a:rPr lang="zh-CN" altLang="en-US"/>
+              <a:rPr lang="zh-CN" altLang="en-US" dirty="0"/>
               <a:t>在超类中，由</a:t>
             </a:r>
             <a:r>
-              <a:rPr lang="en-US" altLang="zh-CN"/>
+              <a:rPr lang="en-US" altLang="zh-CN" dirty="0"/>
               <a:t>private</a:t>
             </a:r>
             <a:r>
-              <a:rPr lang="zh-CN" altLang="en-US"/>
+              <a:rPr lang="zh-CN" altLang="en-US" dirty="0"/>
               <a:t>修饰的访问权限的成员变量和方法，虽然被子类继承，但是子类不能访问。</a:t>
             </a:r>
           </a:p>
